--- a/assets/presentatie.pptx
+++ b/assets/presentatie.pptx
@@ -8,6 +8,7 @@
     <p:sldId id="256" r:id="rId2"/>
     <p:sldId id="258" r:id="rId3"/>
     <p:sldId id="257" r:id="rId4"/>
+    <p:sldId id="259" r:id="rId5"/>
   </p:sldIdLst>
   <p:sldSz cx="12192000" cy="6858000"/>
   <p:notesSz cx="6858000" cy="9144000"/>
@@ -20899,6 +20900,307 @@
 </p:sld>
 </file>
 
+<file path=ppt/slides/slide4.xml><?xml version="1.0" encoding="utf-8"?>
+<p:sld xmlns:a="http://schemas.openxmlformats.org/drawingml/2006/main" xmlns:r="http://schemas.openxmlformats.org/officeDocument/2006/relationships" xmlns:p="http://schemas.openxmlformats.org/presentationml/2006/main">
+  <p:cSld>
+    <p:spTree>
+      <p:nvGrpSpPr>
+        <p:cNvPr id="1" name=""/>
+        <p:cNvGrpSpPr/>
+        <p:nvPr/>
+      </p:nvGrpSpPr>
+      <p:grpSpPr>
+        <a:xfrm>
+          <a:off x="0" y="0"/>
+          <a:ext cx="0" cy="0"/>
+          <a:chOff x="0" y="0"/>
+          <a:chExt cx="0" cy="0"/>
+        </a:xfrm>
+      </p:grpSpPr>
+      <p:sp>
+        <p:nvSpPr>
+          <p:cNvPr id="2" name="Titel 1">
+            <a:extLst>
+              <a:ext uri="{FF2B5EF4-FFF2-40B4-BE49-F238E27FC236}">
+                <a16:creationId xmlns:a16="http://schemas.microsoft.com/office/drawing/2014/main" id="{17AECE4F-063D-6318-E56C-100D9940137F}"/>
+              </a:ext>
+            </a:extLst>
+          </p:cNvPr>
+          <p:cNvSpPr>
+            <a:spLocks noGrp="1"/>
+          </p:cNvSpPr>
+          <p:nvPr>
+            <p:ph type="ctrTitle"/>
+          </p:nvPr>
+        </p:nvSpPr>
+        <p:spPr>
+          <a:xfrm>
+            <a:off x="691078" y="3956389"/>
+            <a:ext cx="6391422" cy="2438354"/>
+          </a:xfrm>
+        </p:spPr>
+        <p:txBody>
+          <a:bodyPr anchor="t">
+            <a:normAutofit/>
+          </a:bodyPr>
+          <a:lstStyle/>
+          <a:p>
+            <a:br>
+              <a:rPr lang="nl-NL" sz="3200" dirty="0"/>
+            </a:br>
+            <a:r>
+              <a:rPr lang="nl-NL" sz="3200" dirty="0"/>
+              <a:t>https://gezond.devroc.nl</a:t>
+            </a:r>
+            <a:endParaRPr lang="en-NL" sz="3200" dirty="0"/>
+          </a:p>
+        </p:txBody>
+      </p:sp>
+      <p:pic>
+        <p:nvPicPr>
+          <p:cNvPr id="4" name="Picture 3" descr="Appel met meetlint">
+            <a:extLst>
+              <a:ext uri="{FF2B5EF4-FFF2-40B4-BE49-F238E27FC236}">
+                <a16:creationId xmlns:a16="http://schemas.microsoft.com/office/drawing/2014/main" id="{37B0DDD1-31F4-DF36-6A99-1693699C7B20}"/>
+              </a:ext>
+            </a:extLst>
+          </p:cNvPr>
+          <p:cNvPicPr>
+            <a:picLocks noChangeAspect="1"/>
+          </p:cNvPicPr>
+          <p:nvPr/>
+        </p:nvPicPr>
+        <p:blipFill rotWithShape="1">
+          <a:blip r:embed="rId2"/>
+          <a:srcRect t="19209" b="38823"/>
+          <a:stretch/>
+        </p:blipFill>
+        <p:spPr>
+          <a:xfrm>
+            <a:off x="-6214" y="10"/>
+            <a:ext cx="12214825" cy="3383374"/>
+          </a:xfrm>
+          <a:custGeom>
+            <a:avLst/>
+            <a:gdLst/>
+            <a:ahLst/>
+            <a:cxnLst/>
+            <a:rect l="l" t="t" r="r" b="b"/>
+            <a:pathLst>
+              <a:path w="12214825" h="3383384">
+                <a:moveTo>
+                  <a:pt x="12213819" y="0"/>
+                </a:moveTo>
+                <a:cubicBezTo>
+                  <a:pt x="12213819" y="29107"/>
+                  <a:pt x="12214067" y="89770"/>
+                  <a:pt x="12214502" y="174101"/>
+                </a:cubicBezTo>
+                <a:lnTo>
+                  <a:pt x="12214825" y="234681"/>
+                </a:lnTo>
+                <a:lnTo>
+                  <a:pt x="12214825" y="2718323"/>
+                </a:lnTo>
+                <a:lnTo>
+                  <a:pt x="11377417" y="2725712"/>
+                </a:lnTo>
+                <a:cubicBezTo>
+                  <a:pt x="7318291" y="2799276"/>
+                  <a:pt x="6189525" y="3387660"/>
+                  <a:pt x="3246747" y="3383361"/>
+                </a:cubicBezTo>
+                <a:cubicBezTo>
+                  <a:pt x="2493396" y="3382260"/>
+                  <a:pt x="1619330" y="3339570"/>
+                  <a:pt x="544071" y="3235389"/>
+                </a:cubicBezTo>
+                <a:lnTo>
+                  <a:pt x="19466" y="3181198"/>
+                </a:lnTo>
+                <a:cubicBezTo>
+                  <a:pt x="22117" y="2650999"/>
+                  <a:pt x="12840" y="2122787"/>
+                  <a:pt x="3563" y="1594575"/>
+                </a:cubicBezTo>
+                <a:lnTo>
+                  <a:pt x="0" y="1239098"/>
+                </a:lnTo>
+                <a:lnTo>
+                  <a:pt x="0" y="7944"/>
+                </a:lnTo>
+                <a:close/>
+              </a:path>
+            </a:pathLst>
+          </a:custGeom>
+        </p:spPr>
+      </p:pic>
+      <p:sp>
+        <p:nvSpPr>
+          <p:cNvPr id="5" name="Rechthoek 4">
+            <a:extLst>
+              <a:ext uri="{FF2B5EF4-FFF2-40B4-BE49-F238E27FC236}">
+                <a16:creationId xmlns:a16="http://schemas.microsoft.com/office/drawing/2014/main" id="{F2F62D60-166D-F984-905F-C3C530333DB1}"/>
+              </a:ext>
+            </a:extLst>
+          </p:cNvPr>
+          <p:cNvSpPr/>
+          <p:nvPr/>
+        </p:nvSpPr>
+        <p:spPr>
+          <a:xfrm>
+            <a:off x="6845124" y="268172"/>
+            <a:ext cx="3669594" cy="923330"/>
+          </a:xfrm>
+          <a:prstGeom prst="rect">
+            <a:avLst/>
+          </a:prstGeom>
+          <a:noFill/>
+        </p:spPr>
+        <p:txBody>
+          <a:bodyPr wrap="none" lIns="91440" tIns="45720" rIns="91440" bIns="45720">
+            <a:spAutoFit/>
+          </a:bodyPr>
+          <a:lstStyle/>
+          <a:p>
+            <a:pPr algn="ctr"/>
+            <a:r>
+              <a:rPr lang="nl-NL" sz="5400" b="0" cap="none" spc="0" dirty="0" err="1">
+                <a:ln w="0"/>
+                <a:solidFill>
+                  <a:schemeClr val="accent1"/>
+                </a:solidFill>
+                <a:effectLst>
+                  <a:outerShdw blurRad="38100" dist="25400" dir="5400000" algn="ctr" rotWithShape="0">
+                    <a:srgbClr val="6E747A">
+                      <a:alpha val="43000"/>
+                    </a:srgbClr>
+                  </a:outerShdw>
+                </a:effectLst>
+              </a:rPr>
+              <a:t>Boilerplate</a:t>
+            </a:r>
+            <a:endParaRPr lang="en-NL" sz="5400" b="0" cap="none" spc="0" dirty="0">
+              <a:ln w="0"/>
+              <a:solidFill>
+                <a:schemeClr val="accent1"/>
+              </a:solidFill>
+              <a:effectLst>
+                <a:outerShdw blurRad="38100" dist="25400" dir="5400000" algn="ctr" rotWithShape="0">
+                  <a:srgbClr val="6E747A">
+                    <a:alpha val="43000"/>
+                  </a:srgbClr>
+                </a:outerShdw>
+              </a:effectLst>
+            </a:endParaRPr>
+          </a:p>
+        </p:txBody>
+      </p:sp>
+    </p:spTree>
+    <p:extLst>
+      <p:ext uri="{BB962C8B-B14F-4D97-AF65-F5344CB8AC3E}">
+        <p14:creationId xmlns:p14="http://schemas.microsoft.com/office/powerpoint/2010/main" val="3432005914"/>
+      </p:ext>
+    </p:extLst>
+  </p:cSld>
+  <p:clrMapOvr>
+    <a:masterClrMapping/>
+  </p:clrMapOvr>
+  <p:timing>
+    <p:tnLst>
+      <p:par>
+        <p:cTn id="1" dur="indefinite" restart="never" nodeType="tmRoot">
+          <p:childTnLst>
+            <p:seq concurrent="1" nextAc="seek">
+              <p:cTn id="2" dur="indefinite" nodeType="mainSeq">
+                <p:childTnLst>
+                  <p:par>
+                    <p:cTn id="3" fill="hold">
+                      <p:stCondLst>
+                        <p:cond delay="indefinite"/>
+                        <p:cond evt="onBegin" delay="0">
+                          <p:tn val="2"/>
+                        </p:cond>
+                      </p:stCondLst>
+                      <p:childTnLst>
+                        <p:par>
+                          <p:cTn id="4" fill="hold">
+                            <p:stCondLst>
+                              <p:cond delay="0"/>
+                            </p:stCondLst>
+                            <p:childTnLst>
+                              <p:par>
+                                <p:cTn id="5" presetID="10" presetClass="entr" presetSubtype="0" fill="hold" grpId="0" nodeType="withEffect">
+                                  <p:stCondLst>
+                                    <p:cond delay="1000"/>
+                                  </p:stCondLst>
+                                  <p:iterate type="lt">
+                                    <p:tmPct val="10000"/>
+                                  </p:iterate>
+                                  <p:childTnLst>
+                                    <p:set>
+                                      <p:cBhvr>
+                                        <p:cTn id="6" dur="1" fill="hold">
+                                          <p:stCondLst>
+                                            <p:cond delay="0"/>
+                                          </p:stCondLst>
+                                        </p:cTn>
+                                        <p:tgtEl>
+                                          <p:spTgt spid="2"/>
+                                        </p:tgtEl>
+                                        <p:attrNameLst>
+                                          <p:attrName>style.visibility</p:attrName>
+                                        </p:attrNameLst>
+                                      </p:cBhvr>
+                                      <p:to>
+                                        <p:strVal val="visible"/>
+                                      </p:to>
+                                    </p:set>
+                                    <p:animEffect transition="in" filter="fade">
+                                      <p:cBhvr>
+                                        <p:cTn id="7" dur="400"/>
+                                        <p:tgtEl>
+                                          <p:spTgt spid="2"/>
+                                        </p:tgtEl>
+                                      </p:cBhvr>
+                                    </p:animEffect>
+                                  </p:childTnLst>
+                                </p:cTn>
+                              </p:par>
+                            </p:childTnLst>
+                          </p:cTn>
+                        </p:par>
+                      </p:childTnLst>
+                    </p:cTn>
+                  </p:par>
+                </p:childTnLst>
+              </p:cTn>
+              <p:prevCondLst>
+                <p:cond evt="onPrev" delay="0">
+                  <p:tgtEl>
+                    <p:sldTgt/>
+                  </p:tgtEl>
+                </p:cond>
+              </p:prevCondLst>
+              <p:nextCondLst>
+                <p:cond evt="onNext" delay="0">
+                  <p:tgtEl>
+                    <p:sldTgt/>
+                  </p:tgtEl>
+                </p:cond>
+              </p:nextCondLst>
+            </p:seq>
+          </p:childTnLst>
+        </p:cTn>
+      </p:par>
+    </p:tnLst>
+    <p:bldLst>
+      <p:bldP spid="2" grpId="0"/>
+    </p:bldLst>
+  </p:timing>
+</p:sld>
+</file>
+
 <file path=ppt/theme/theme1.xml><?xml version="1.0" encoding="utf-8"?>
 <a:theme xmlns:a="http://schemas.openxmlformats.org/drawingml/2006/main" name="CosineVTI">
   <a:themeElements>
